--- a/inst/www/logo.pptx
+++ b/inst/www/logo.pptx
@@ -11,6 +11,9 @@
     <p:sldId id="259" r:id="rId5"/>
     <p:sldId id="260" r:id="rId6"/>
     <p:sldId id="261" r:id="rId7"/>
+    <p:sldId id="262" r:id="rId8"/>
+    <p:sldId id="263" r:id="rId9"/>
+    <p:sldId id="264" r:id="rId10"/>
   </p:sldIdLst>
   <p:sldSz cx="12192000" cy="6858000"/>
   <p:notesSz cx="6858000" cy="9144000"/>
@@ -259,7 +262,7 @@
           <a:p>
             <a:fld id="{B48E2AB0-245E-4346-810D-59B59DB17833}" type="datetimeFigureOut">
               <a:rPr lang="de-DE" smtClean="0"/>
-              <a:t>07.06.2024</a:t>
+              <a:t>18.06.2024</a:t>
             </a:fld>
             <a:endParaRPr lang="de-DE"/>
           </a:p>
@@ -429,7 +432,7 @@
           <a:p>
             <a:fld id="{B48E2AB0-245E-4346-810D-59B59DB17833}" type="datetimeFigureOut">
               <a:rPr lang="de-DE" smtClean="0"/>
-              <a:t>07.06.2024</a:t>
+              <a:t>18.06.2024</a:t>
             </a:fld>
             <a:endParaRPr lang="de-DE"/>
           </a:p>
@@ -609,7 +612,7 @@
           <a:p>
             <a:fld id="{B48E2AB0-245E-4346-810D-59B59DB17833}" type="datetimeFigureOut">
               <a:rPr lang="de-DE" smtClean="0"/>
-              <a:t>07.06.2024</a:t>
+              <a:t>18.06.2024</a:t>
             </a:fld>
             <a:endParaRPr lang="de-DE"/>
           </a:p>
@@ -779,7 +782,7 @@
           <a:p>
             <a:fld id="{B48E2AB0-245E-4346-810D-59B59DB17833}" type="datetimeFigureOut">
               <a:rPr lang="de-DE" smtClean="0"/>
-              <a:t>07.06.2024</a:t>
+              <a:t>18.06.2024</a:t>
             </a:fld>
             <a:endParaRPr lang="de-DE"/>
           </a:p>
@@ -1025,7 +1028,7 @@
           <a:p>
             <a:fld id="{B48E2AB0-245E-4346-810D-59B59DB17833}" type="datetimeFigureOut">
               <a:rPr lang="de-DE" smtClean="0"/>
-              <a:t>07.06.2024</a:t>
+              <a:t>18.06.2024</a:t>
             </a:fld>
             <a:endParaRPr lang="de-DE"/>
           </a:p>
@@ -1257,7 +1260,7 @@
           <a:p>
             <a:fld id="{B48E2AB0-245E-4346-810D-59B59DB17833}" type="datetimeFigureOut">
               <a:rPr lang="de-DE" smtClean="0"/>
-              <a:t>07.06.2024</a:t>
+              <a:t>18.06.2024</a:t>
             </a:fld>
             <a:endParaRPr lang="de-DE"/>
           </a:p>
@@ -1624,7 +1627,7 @@
           <a:p>
             <a:fld id="{B48E2AB0-245E-4346-810D-59B59DB17833}" type="datetimeFigureOut">
               <a:rPr lang="de-DE" smtClean="0"/>
-              <a:t>07.06.2024</a:t>
+              <a:t>18.06.2024</a:t>
             </a:fld>
             <a:endParaRPr lang="de-DE"/>
           </a:p>
@@ -1742,7 +1745,7 @@
           <a:p>
             <a:fld id="{B48E2AB0-245E-4346-810D-59B59DB17833}" type="datetimeFigureOut">
               <a:rPr lang="de-DE" smtClean="0"/>
-              <a:t>07.06.2024</a:t>
+              <a:t>18.06.2024</a:t>
             </a:fld>
             <a:endParaRPr lang="de-DE"/>
           </a:p>
@@ -1837,7 +1840,7 @@
           <a:p>
             <a:fld id="{B48E2AB0-245E-4346-810D-59B59DB17833}" type="datetimeFigureOut">
               <a:rPr lang="de-DE" smtClean="0"/>
-              <a:t>07.06.2024</a:t>
+              <a:t>18.06.2024</a:t>
             </a:fld>
             <a:endParaRPr lang="de-DE"/>
           </a:p>
@@ -2114,7 +2117,7 @@
           <a:p>
             <a:fld id="{B48E2AB0-245E-4346-810D-59B59DB17833}" type="datetimeFigureOut">
               <a:rPr lang="de-DE" smtClean="0"/>
-              <a:t>07.06.2024</a:t>
+              <a:t>18.06.2024</a:t>
             </a:fld>
             <a:endParaRPr lang="de-DE"/>
           </a:p>
@@ -2367,7 +2370,7 @@
           <a:p>
             <a:fld id="{B48E2AB0-245E-4346-810D-59B59DB17833}" type="datetimeFigureOut">
               <a:rPr lang="de-DE" smtClean="0"/>
-              <a:t>07.06.2024</a:t>
+              <a:t>18.06.2024</a:t>
             </a:fld>
             <a:endParaRPr lang="de-DE"/>
           </a:p>
@@ -2580,7 +2583,7 @@
           <a:p>
             <a:fld id="{B48E2AB0-245E-4346-810D-59B59DB17833}" type="datetimeFigureOut">
               <a:rPr lang="de-DE" smtClean="0"/>
-              <a:t>07.06.2024</a:t>
+              <a:t>18.06.2024</a:t>
             </a:fld>
             <a:endParaRPr lang="de-DE"/>
           </a:p>
@@ -6857,6 +6860,2252 @@
 </p:sld>
 </file>
 
+<file path=ppt/slides/slide7.xml><?xml version="1.0" encoding="utf-8"?>
+<p:sld xmlns:a="http://schemas.openxmlformats.org/drawingml/2006/main" xmlns:r="http://schemas.openxmlformats.org/officeDocument/2006/relationships" xmlns:p="http://schemas.openxmlformats.org/presentationml/2006/main">
+  <p:cSld>
+    <p:spTree>
+      <p:nvGrpSpPr>
+        <p:cNvPr id="1" name=""/>
+        <p:cNvGrpSpPr/>
+        <p:nvPr/>
+      </p:nvGrpSpPr>
+      <p:grpSpPr>
+        <a:xfrm>
+          <a:off x="0" y="0"/>
+          <a:ext cx="0" cy="0"/>
+          <a:chOff x="0" y="0"/>
+          <a:chExt cx="0" cy="0"/>
+        </a:xfrm>
+      </p:grpSpPr>
+      <p:pic>
+        <p:nvPicPr>
+          <p:cNvPr id="2" name="Grafik 1"/>
+          <p:cNvPicPr>
+            <a:picLocks noChangeAspect="1"/>
+          </p:cNvPicPr>
+          <p:nvPr/>
+        </p:nvPicPr>
+        <p:blipFill>
+          <a:blip r:embed="rId2"/>
+          <a:stretch>
+            <a:fillRect/>
+          </a:stretch>
+        </p:blipFill>
+        <p:spPr>
+          <a:xfrm>
+            <a:off x="447968" y="353436"/>
+            <a:ext cx="2756168" cy="3385050"/>
+          </a:xfrm>
+          <a:prstGeom prst="rect">
+            <a:avLst/>
+          </a:prstGeom>
+        </p:spPr>
+      </p:pic>
+      <p:sp>
+        <p:nvSpPr>
+          <p:cNvPr id="16" name="Sechseck 15"/>
+          <p:cNvSpPr/>
+          <p:nvPr/>
+        </p:nvSpPr>
+        <p:spPr>
+          <a:xfrm rot="5400000">
+            <a:off x="3917137" y="1550670"/>
+            <a:ext cx="4357726" cy="3756660"/>
+          </a:xfrm>
+          <a:prstGeom prst="hexagon">
+            <a:avLst/>
+          </a:prstGeom>
+          <a:solidFill>
+            <a:schemeClr val="bg1">
+              <a:lumMod val="95000"/>
+            </a:schemeClr>
+          </a:solidFill>
+          <a:ln>
+            <a:noFill/>
+          </a:ln>
+        </p:spPr>
+        <p:style>
+          <a:lnRef idx="2">
+            <a:schemeClr val="accent1">
+              <a:shade val="50000"/>
+            </a:schemeClr>
+          </a:lnRef>
+          <a:fillRef idx="1">
+            <a:schemeClr val="accent1"/>
+          </a:fillRef>
+          <a:effectRef idx="0">
+            <a:schemeClr val="accent1"/>
+          </a:effectRef>
+          <a:fontRef idx="minor">
+            <a:schemeClr val="lt1"/>
+          </a:fontRef>
+        </p:style>
+        <p:txBody>
+          <a:bodyPr rtlCol="0" anchor="ctr"/>
+          <a:lstStyle/>
+          <a:p>
+            <a:pPr algn="ctr"/>
+            <a:endParaRPr lang="de-DE"/>
+          </a:p>
+        </p:txBody>
+      </p:sp>
+      <p:sp>
+        <p:nvSpPr>
+          <p:cNvPr id="17" name="Sechseck 16"/>
+          <p:cNvSpPr/>
+          <p:nvPr/>
+        </p:nvSpPr>
+        <p:spPr>
+          <a:xfrm rot="5400000">
+            <a:off x="4068395" y="1681065"/>
+            <a:ext cx="4055210" cy="3495870"/>
+          </a:xfrm>
+          <a:prstGeom prst="hexagon">
+            <a:avLst/>
+          </a:prstGeom>
+          <a:gradFill flip="none" rotWithShape="1">
+            <a:gsLst>
+              <a:gs pos="0">
+                <a:srgbClr val="DDF2FD"/>
+              </a:gs>
+              <a:gs pos="82000">
+                <a:srgbClr val="427D9D"/>
+              </a:gs>
+              <a:gs pos="100000">
+                <a:srgbClr val="164863"/>
+              </a:gs>
+            </a:gsLst>
+            <a:lin ang="19800000" scaled="0"/>
+            <a:tileRect/>
+          </a:gradFill>
+          <a:ln>
+            <a:noFill/>
+          </a:ln>
+          <a:effectLst>
+            <a:innerShdw blurRad="190500">
+              <a:prstClr val="black">
+                <a:alpha val="88000"/>
+              </a:prstClr>
+            </a:innerShdw>
+          </a:effectLst>
+        </p:spPr>
+        <p:style>
+          <a:lnRef idx="2">
+            <a:schemeClr val="accent1">
+              <a:shade val="50000"/>
+            </a:schemeClr>
+          </a:lnRef>
+          <a:fillRef idx="1">
+            <a:schemeClr val="accent1"/>
+          </a:fillRef>
+          <a:effectRef idx="0">
+            <a:schemeClr val="accent1"/>
+          </a:effectRef>
+          <a:fontRef idx="minor">
+            <a:schemeClr val="lt1"/>
+          </a:fontRef>
+        </p:style>
+        <p:txBody>
+          <a:bodyPr rtlCol="0" anchor="ctr"/>
+          <a:lstStyle/>
+          <a:p>
+            <a:pPr algn="ctr"/>
+            <a:endParaRPr lang="de-DE" dirty="0"/>
+          </a:p>
+        </p:txBody>
+      </p:sp>
+      <p:sp>
+        <p:nvSpPr>
+          <p:cNvPr id="18" name="Textfeld 17"/>
+          <p:cNvSpPr txBox="1"/>
+          <p:nvPr/>
+        </p:nvSpPr>
+        <p:spPr>
+          <a:xfrm>
+            <a:off x="4698021" y="2045961"/>
+            <a:ext cx="2795957" cy="1015663"/>
+          </a:xfrm>
+          <a:prstGeom prst="rect">
+            <a:avLst/>
+          </a:prstGeom>
+          <a:noFill/>
+        </p:spPr>
+        <p:txBody>
+          <a:bodyPr wrap="none" rtlCol="0">
+            <a:spAutoFit/>
+          </a:bodyPr>
+          <a:lstStyle/>
+          <a:p>
+            <a:pPr algn="ctr"/>
+            <a:r>
+              <a:rPr lang="de-DE" sz="6000" dirty="0" smtClean="0">
+                <a:ln w="19050">
+                  <a:noFill/>
+                </a:ln>
+                <a:solidFill>
+                  <a:schemeClr val="bg1"/>
+                </a:solidFill>
+                <a:effectLst>
+                  <a:outerShdw blurRad="50800" dist="38100" dir="5400000" algn="t" rotWithShape="0">
+                    <a:prstClr val="black">
+                      <a:alpha val="40000"/>
+                    </a:prstClr>
+                  </a:outerShdw>
+                </a:effectLst>
+                <a:latin typeface="Eras Medium ITC" panose="020B0602030504020804" pitchFamily="34" charset="0"/>
+              </a:rPr>
+              <a:t>GD2Viz</a:t>
+            </a:r>
+            <a:endParaRPr lang="de-DE" sz="6000" dirty="0">
+              <a:ln w="19050">
+                <a:noFill/>
+              </a:ln>
+              <a:solidFill>
+                <a:schemeClr val="bg1"/>
+              </a:solidFill>
+              <a:effectLst>
+                <a:outerShdw blurRad="50800" dist="38100" dir="5400000" algn="t" rotWithShape="0">
+                  <a:prstClr val="black">
+                    <a:alpha val="40000"/>
+                  </a:prstClr>
+                </a:outerShdw>
+              </a:effectLst>
+              <a:latin typeface="Eras Medium ITC" panose="020B0602030504020804" pitchFamily="34" charset="0"/>
+            </a:endParaRPr>
+          </a:p>
+        </p:txBody>
+      </p:sp>
+      <p:grpSp>
+        <p:nvGrpSpPr>
+          <p:cNvPr id="20" name="Gruppieren 19"/>
+          <p:cNvGrpSpPr/>
+          <p:nvPr/>
+        </p:nvGrpSpPr>
+        <p:grpSpPr>
+          <a:xfrm>
+            <a:off x="4596372" y="3061624"/>
+            <a:ext cx="2999255" cy="1500487"/>
+            <a:chOff x="7212505" y="591345"/>
+            <a:chExt cx="2693053" cy="1352928"/>
+          </a:xfrm>
+          <a:effectLst>
+            <a:outerShdw blurRad="50800" dist="38100" dir="5400000" algn="t" rotWithShape="0">
+              <a:prstClr val="black">
+                <a:alpha val="40000"/>
+              </a:prstClr>
+            </a:outerShdw>
+          </a:effectLst>
+          <a:scene3d>
+            <a:camera prst="orthographicFront"/>
+            <a:lightRig rig="balanced" dir="t"/>
+          </a:scene3d>
+        </p:grpSpPr>
+        <p:cxnSp>
+          <p:nvCxnSpPr>
+            <p:cNvPr id="22" name="Gerader Verbinder 21"/>
+            <p:cNvCxnSpPr/>
+            <p:nvPr/>
+          </p:nvCxnSpPr>
+          <p:spPr>
+            <a:xfrm flipH="1">
+              <a:off x="8922328" y="1250137"/>
+              <a:ext cx="736967" cy="0"/>
+            </a:xfrm>
+            <a:prstGeom prst="line">
+              <a:avLst/>
+            </a:prstGeom>
+            <a:ln w="69850">
+              <a:solidFill>
+                <a:schemeClr val="bg1"/>
+              </a:solidFill>
+            </a:ln>
+            <a:sp3d prstMaterial="matte"/>
+          </p:spPr>
+          <p:style>
+            <a:lnRef idx="1">
+              <a:schemeClr val="accent1"/>
+            </a:lnRef>
+            <a:fillRef idx="0">
+              <a:schemeClr val="accent1"/>
+            </a:fillRef>
+            <a:effectRef idx="0">
+              <a:schemeClr val="accent1"/>
+            </a:effectRef>
+            <a:fontRef idx="minor">
+              <a:schemeClr val="tx1"/>
+            </a:fontRef>
+          </p:style>
+        </p:cxnSp>
+        <p:cxnSp>
+          <p:nvCxnSpPr>
+            <p:cNvPr id="24" name="Gerader Verbinder 23"/>
+            <p:cNvCxnSpPr/>
+            <p:nvPr/>
+          </p:nvCxnSpPr>
+          <p:spPr>
+            <a:xfrm flipH="1" flipV="1">
+              <a:off x="8368145" y="727364"/>
+              <a:ext cx="443328" cy="452457"/>
+            </a:xfrm>
+            <a:prstGeom prst="line">
+              <a:avLst/>
+            </a:prstGeom>
+            <a:ln w="69850">
+              <a:solidFill>
+                <a:schemeClr val="bg1"/>
+              </a:solidFill>
+            </a:ln>
+            <a:sp3d prstMaterial="matte"/>
+          </p:spPr>
+          <p:style>
+            <a:lnRef idx="1">
+              <a:schemeClr val="accent1"/>
+            </a:lnRef>
+            <a:fillRef idx="0">
+              <a:schemeClr val="accent1"/>
+            </a:fillRef>
+            <a:effectRef idx="0">
+              <a:schemeClr val="accent1"/>
+            </a:effectRef>
+            <a:fontRef idx="minor">
+              <a:schemeClr val="tx1"/>
+            </a:fontRef>
+          </p:style>
+        </p:cxnSp>
+        <p:cxnSp>
+          <p:nvCxnSpPr>
+            <p:cNvPr id="25" name="Gerader Verbinder 24"/>
+            <p:cNvCxnSpPr/>
+            <p:nvPr/>
+          </p:nvCxnSpPr>
+          <p:spPr>
+            <a:xfrm flipH="1">
+              <a:off x="8321647" y="1328657"/>
+              <a:ext cx="489825" cy="444253"/>
+            </a:xfrm>
+            <a:prstGeom prst="line">
+              <a:avLst/>
+            </a:prstGeom>
+            <a:ln w="69850">
+              <a:solidFill>
+                <a:schemeClr val="bg1"/>
+              </a:solidFill>
+            </a:ln>
+            <a:sp3d prstMaterial="matte"/>
+          </p:spPr>
+          <p:style>
+            <a:lnRef idx="1">
+              <a:schemeClr val="accent1"/>
+            </a:lnRef>
+            <a:fillRef idx="0">
+              <a:schemeClr val="accent1"/>
+            </a:fillRef>
+            <a:effectRef idx="0">
+              <a:schemeClr val="accent1"/>
+            </a:effectRef>
+            <a:fontRef idx="minor">
+              <a:schemeClr val="tx1"/>
+            </a:fontRef>
+          </p:style>
+        </p:cxnSp>
+        <p:cxnSp>
+          <p:nvCxnSpPr>
+            <p:cNvPr id="26" name="Gerader Verbinder 25"/>
+            <p:cNvCxnSpPr/>
+            <p:nvPr/>
+          </p:nvCxnSpPr>
+          <p:spPr>
+            <a:xfrm flipH="1" flipV="1">
+              <a:off x="7517986" y="1655618"/>
+              <a:ext cx="693637" cy="1"/>
+            </a:xfrm>
+            <a:prstGeom prst="line">
+              <a:avLst/>
+            </a:prstGeom>
+            <a:ln w="69850">
+              <a:solidFill>
+                <a:schemeClr val="bg1"/>
+              </a:solidFill>
+            </a:ln>
+            <a:sp3d prstMaterial="matte"/>
+          </p:spPr>
+          <p:style>
+            <a:lnRef idx="1">
+              <a:schemeClr val="accent1"/>
+            </a:lnRef>
+            <a:fillRef idx="0">
+              <a:schemeClr val="accent1"/>
+            </a:fillRef>
+            <a:effectRef idx="0">
+              <a:schemeClr val="accent1"/>
+            </a:effectRef>
+            <a:fontRef idx="minor">
+              <a:schemeClr val="tx1"/>
+            </a:fontRef>
+          </p:style>
+        </p:cxnSp>
+        <p:sp>
+          <p:nvSpPr>
+            <p:cNvPr id="27" name="Raute 26"/>
+            <p:cNvSpPr/>
+            <p:nvPr/>
+          </p:nvSpPr>
+          <p:spPr>
+            <a:xfrm>
+              <a:off x="7212505" y="1350353"/>
+              <a:ext cx="593920" cy="593920"/>
+            </a:xfrm>
+            <a:prstGeom prst="diamond">
+              <a:avLst/>
+            </a:prstGeom>
+            <a:solidFill>
+              <a:srgbClr val="A365D1"/>
+            </a:solidFill>
+            <a:ln w="19050">
+              <a:solidFill>
+                <a:schemeClr val="bg1"/>
+              </a:solidFill>
+            </a:ln>
+            <a:sp3d prstMaterial="matte"/>
+          </p:spPr>
+          <p:style>
+            <a:lnRef idx="2">
+              <a:schemeClr val="accent1">
+                <a:shade val="50000"/>
+              </a:schemeClr>
+            </a:lnRef>
+            <a:fillRef idx="1">
+              <a:schemeClr val="accent1"/>
+            </a:fillRef>
+            <a:effectRef idx="0">
+              <a:schemeClr val="accent1"/>
+            </a:effectRef>
+            <a:fontRef idx="minor">
+              <a:schemeClr val="lt1"/>
+            </a:fontRef>
+          </p:style>
+          <p:txBody>
+            <a:bodyPr rtlCol="0" anchor="ctr"/>
+            <a:lstStyle/>
+            <a:p>
+              <a:pPr algn="ctr"/>
+              <a:endParaRPr lang="de-DE"/>
+            </a:p>
+          </p:txBody>
+        </p:sp>
+        <p:sp>
+          <p:nvSpPr>
+            <p:cNvPr id="28" name="Raute 27"/>
+            <p:cNvSpPr/>
+            <p:nvPr/>
+          </p:nvSpPr>
+          <p:spPr>
+            <a:xfrm>
+              <a:off x="7921126" y="1350353"/>
+              <a:ext cx="593920" cy="593920"/>
+            </a:xfrm>
+            <a:prstGeom prst="diamond">
+              <a:avLst/>
+            </a:prstGeom>
+            <a:solidFill>
+              <a:srgbClr val="A365D1"/>
+            </a:solidFill>
+            <a:ln w="19050">
+              <a:solidFill>
+                <a:schemeClr val="bg1"/>
+              </a:solidFill>
+            </a:ln>
+            <a:sp3d prstMaterial="matte"/>
+          </p:spPr>
+          <p:style>
+            <a:lnRef idx="2">
+              <a:schemeClr val="accent1">
+                <a:shade val="50000"/>
+              </a:schemeClr>
+            </a:lnRef>
+            <a:fillRef idx="1">
+              <a:schemeClr val="accent1"/>
+            </a:fillRef>
+            <a:effectRef idx="0">
+              <a:schemeClr val="accent1"/>
+            </a:effectRef>
+            <a:fontRef idx="minor">
+              <a:schemeClr val="lt1"/>
+            </a:fontRef>
+          </p:style>
+          <p:txBody>
+            <a:bodyPr rtlCol="0" anchor="ctr"/>
+            <a:lstStyle/>
+            <a:p>
+              <a:pPr algn="ctr"/>
+              <a:endParaRPr lang="de-DE"/>
+            </a:p>
+          </p:txBody>
+        </p:sp>
+        <p:sp>
+          <p:nvSpPr>
+            <p:cNvPr id="29" name="Rechteck 28"/>
+            <p:cNvSpPr/>
+            <p:nvPr/>
+          </p:nvSpPr>
+          <p:spPr>
+            <a:xfrm>
+              <a:off x="7921126" y="591345"/>
+              <a:ext cx="593920" cy="593920"/>
+            </a:xfrm>
+            <a:prstGeom prst="rect">
+              <a:avLst/>
+            </a:prstGeom>
+            <a:solidFill>
+              <a:srgbClr val="FFF86D"/>
+            </a:solidFill>
+            <a:ln w="19050">
+              <a:solidFill>
+                <a:schemeClr val="bg1"/>
+              </a:solidFill>
+            </a:ln>
+            <a:sp3d prstMaterial="matte"/>
+          </p:spPr>
+          <p:style>
+            <a:lnRef idx="2">
+              <a:schemeClr val="accent1">
+                <a:shade val="50000"/>
+              </a:schemeClr>
+            </a:lnRef>
+            <a:fillRef idx="1">
+              <a:schemeClr val="accent1"/>
+            </a:fillRef>
+            <a:effectRef idx="0">
+              <a:schemeClr val="accent1"/>
+            </a:effectRef>
+            <a:fontRef idx="minor">
+              <a:schemeClr val="lt1"/>
+            </a:fontRef>
+          </p:style>
+          <p:txBody>
+            <a:bodyPr rtlCol="0" anchor="ctr"/>
+            <a:lstStyle/>
+            <a:p>
+              <a:pPr algn="ctr"/>
+              <a:endParaRPr lang="de-DE"/>
+            </a:p>
+          </p:txBody>
+        </p:sp>
+        <p:sp>
+          <p:nvSpPr>
+            <p:cNvPr id="30" name="Ellipse 29"/>
+            <p:cNvSpPr/>
+            <p:nvPr/>
+          </p:nvSpPr>
+          <p:spPr>
+            <a:xfrm>
+              <a:off x="8625070" y="950255"/>
+              <a:ext cx="593386" cy="599764"/>
+            </a:xfrm>
+            <a:prstGeom prst="ellipse">
+              <a:avLst/>
+            </a:prstGeom>
+            <a:solidFill>
+              <a:srgbClr val="F67E66"/>
+            </a:solidFill>
+            <a:ln w="19050">
+              <a:solidFill>
+                <a:schemeClr val="bg1"/>
+              </a:solidFill>
+            </a:ln>
+            <a:sp3d prstMaterial="matte"/>
+          </p:spPr>
+          <p:style>
+            <a:lnRef idx="2">
+              <a:schemeClr val="accent1">
+                <a:shade val="50000"/>
+              </a:schemeClr>
+            </a:lnRef>
+            <a:fillRef idx="1">
+              <a:schemeClr val="accent1"/>
+            </a:fillRef>
+            <a:effectRef idx="0">
+              <a:schemeClr val="accent1"/>
+            </a:effectRef>
+            <a:fontRef idx="minor">
+              <a:schemeClr val="lt1"/>
+            </a:fontRef>
+          </p:style>
+          <p:txBody>
+            <a:bodyPr rtlCol="0" anchor="ctr"/>
+            <a:lstStyle/>
+            <a:p>
+              <a:pPr algn="ctr"/>
+              <a:endParaRPr lang="de-DE"/>
+            </a:p>
+          </p:txBody>
+        </p:sp>
+        <p:sp>
+          <p:nvSpPr>
+            <p:cNvPr id="31" name="Ellipse 30"/>
+            <p:cNvSpPr/>
+            <p:nvPr/>
+          </p:nvSpPr>
+          <p:spPr>
+            <a:xfrm>
+              <a:off x="9312172" y="961925"/>
+              <a:ext cx="593386" cy="599764"/>
+            </a:xfrm>
+            <a:prstGeom prst="ellipse">
+              <a:avLst/>
+            </a:prstGeom>
+            <a:solidFill>
+              <a:srgbClr val="164863"/>
+            </a:solidFill>
+            <a:ln w="19050">
+              <a:solidFill>
+                <a:schemeClr val="bg1"/>
+              </a:solidFill>
+            </a:ln>
+            <a:sp3d prstMaterial="matte"/>
+          </p:spPr>
+          <p:style>
+            <a:lnRef idx="2">
+              <a:schemeClr val="accent1">
+                <a:shade val="50000"/>
+              </a:schemeClr>
+            </a:lnRef>
+            <a:fillRef idx="1">
+              <a:schemeClr val="accent1"/>
+            </a:fillRef>
+            <a:effectRef idx="0">
+              <a:schemeClr val="accent1"/>
+            </a:effectRef>
+            <a:fontRef idx="minor">
+              <a:schemeClr val="lt1"/>
+            </a:fontRef>
+          </p:style>
+          <p:txBody>
+            <a:bodyPr rtlCol="0" anchor="ctr"/>
+            <a:lstStyle/>
+            <a:p>
+              <a:pPr algn="ctr"/>
+              <a:endParaRPr lang="de-DE"/>
+            </a:p>
+          </p:txBody>
+        </p:sp>
+      </p:grpSp>
+    </p:spTree>
+    <p:extLst>
+      <p:ext uri="{BB962C8B-B14F-4D97-AF65-F5344CB8AC3E}">
+        <p14:creationId xmlns:p14="http://schemas.microsoft.com/office/powerpoint/2010/main" val="883260744"/>
+      </p:ext>
+    </p:extLst>
+  </p:cSld>
+  <p:clrMapOvr>
+    <a:masterClrMapping/>
+  </p:clrMapOvr>
+</p:sld>
+</file>
+
+<file path=ppt/slides/slide8.xml><?xml version="1.0" encoding="utf-8"?>
+<p:sld xmlns:a="http://schemas.openxmlformats.org/drawingml/2006/main" xmlns:r="http://schemas.openxmlformats.org/officeDocument/2006/relationships" xmlns:p="http://schemas.openxmlformats.org/presentationml/2006/main">
+  <p:cSld>
+    <p:spTree>
+      <p:nvGrpSpPr>
+        <p:cNvPr id="1" name=""/>
+        <p:cNvGrpSpPr/>
+        <p:nvPr/>
+      </p:nvGrpSpPr>
+      <p:grpSpPr>
+        <a:xfrm>
+          <a:off x="0" y="0"/>
+          <a:ext cx="0" cy="0"/>
+          <a:chOff x="0" y="0"/>
+          <a:chExt cx="0" cy="0"/>
+        </a:xfrm>
+      </p:grpSpPr>
+      <p:pic>
+        <p:nvPicPr>
+          <p:cNvPr id="2" name="Grafik 1"/>
+          <p:cNvPicPr>
+            <a:picLocks noChangeAspect="1"/>
+          </p:cNvPicPr>
+          <p:nvPr/>
+        </p:nvPicPr>
+        <p:blipFill>
+          <a:blip r:embed="rId2"/>
+          <a:stretch>
+            <a:fillRect/>
+          </a:stretch>
+        </p:blipFill>
+        <p:spPr>
+          <a:xfrm>
+            <a:off x="447968" y="353436"/>
+            <a:ext cx="2756168" cy="3385050"/>
+          </a:xfrm>
+          <a:prstGeom prst="rect">
+            <a:avLst/>
+          </a:prstGeom>
+        </p:spPr>
+      </p:pic>
+      <p:sp>
+        <p:nvSpPr>
+          <p:cNvPr id="16" name="Sechseck 15"/>
+          <p:cNvSpPr/>
+          <p:nvPr/>
+        </p:nvSpPr>
+        <p:spPr>
+          <a:xfrm rot="5400000">
+            <a:off x="3917137" y="1550670"/>
+            <a:ext cx="4357726" cy="3756660"/>
+          </a:xfrm>
+          <a:prstGeom prst="hexagon">
+            <a:avLst/>
+          </a:prstGeom>
+          <a:solidFill>
+            <a:srgbClr val="164863"/>
+          </a:solidFill>
+          <a:ln>
+            <a:noFill/>
+          </a:ln>
+        </p:spPr>
+        <p:style>
+          <a:lnRef idx="2">
+            <a:schemeClr val="accent1">
+              <a:shade val="50000"/>
+            </a:schemeClr>
+          </a:lnRef>
+          <a:fillRef idx="1">
+            <a:schemeClr val="accent1"/>
+          </a:fillRef>
+          <a:effectRef idx="0">
+            <a:schemeClr val="accent1"/>
+          </a:effectRef>
+          <a:fontRef idx="minor">
+            <a:schemeClr val="lt1"/>
+          </a:fontRef>
+        </p:style>
+        <p:txBody>
+          <a:bodyPr rtlCol="0" anchor="ctr"/>
+          <a:lstStyle/>
+          <a:p>
+            <a:pPr algn="ctr"/>
+            <a:endParaRPr lang="de-DE"/>
+          </a:p>
+        </p:txBody>
+      </p:sp>
+      <p:sp>
+        <p:nvSpPr>
+          <p:cNvPr id="17" name="Sechseck 16"/>
+          <p:cNvSpPr/>
+          <p:nvPr/>
+        </p:nvSpPr>
+        <p:spPr>
+          <a:xfrm rot="5400000">
+            <a:off x="4068395" y="1681065"/>
+            <a:ext cx="4055210" cy="3495870"/>
+          </a:xfrm>
+          <a:prstGeom prst="hexagon">
+            <a:avLst/>
+          </a:prstGeom>
+          <a:solidFill>
+            <a:schemeClr val="bg1"/>
+          </a:solidFill>
+          <a:ln>
+            <a:noFill/>
+          </a:ln>
+          <a:effectLst>
+            <a:innerShdw blurRad="190500">
+              <a:prstClr val="black">
+                <a:alpha val="88000"/>
+              </a:prstClr>
+            </a:innerShdw>
+          </a:effectLst>
+        </p:spPr>
+        <p:style>
+          <a:lnRef idx="2">
+            <a:schemeClr val="accent1">
+              <a:shade val="50000"/>
+            </a:schemeClr>
+          </a:lnRef>
+          <a:fillRef idx="1">
+            <a:schemeClr val="accent1"/>
+          </a:fillRef>
+          <a:effectRef idx="0">
+            <a:schemeClr val="accent1"/>
+          </a:effectRef>
+          <a:fontRef idx="minor">
+            <a:schemeClr val="lt1"/>
+          </a:fontRef>
+        </p:style>
+        <p:txBody>
+          <a:bodyPr rtlCol="0" anchor="ctr"/>
+          <a:lstStyle/>
+          <a:p>
+            <a:pPr algn="ctr"/>
+            <a:endParaRPr lang="de-DE" dirty="0"/>
+          </a:p>
+        </p:txBody>
+      </p:sp>
+      <p:sp>
+        <p:nvSpPr>
+          <p:cNvPr id="18" name="Textfeld 17"/>
+          <p:cNvSpPr txBox="1"/>
+          <p:nvPr/>
+        </p:nvSpPr>
+        <p:spPr>
+          <a:xfrm>
+            <a:off x="4698021" y="2045961"/>
+            <a:ext cx="2795957" cy="1015663"/>
+          </a:xfrm>
+          <a:prstGeom prst="rect">
+            <a:avLst/>
+          </a:prstGeom>
+          <a:noFill/>
+        </p:spPr>
+        <p:txBody>
+          <a:bodyPr wrap="none" rtlCol="0">
+            <a:spAutoFit/>
+          </a:bodyPr>
+          <a:lstStyle/>
+          <a:p>
+            <a:pPr algn="ctr"/>
+            <a:r>
+              <a:rPr lang="de-DE" sz="6000" dirty="0" smtClean="0">
+                <a:ln w="19050">
+                  <a:noFill/>
+                </a:ln>
+                <a:solidFill>
+                  <a:srgbClr val="FF9900"/>
+                </a:solidFill>
+                <a:effectLst>
+                  <a:outerShdw blurRad="50800" dist="38100" dir="5400000" algn="t" rotWithShape="0">
+                    <a:prstClr val="black">
+                      <a:alpha val="40000"/>
+                    </a:prstClr>
+                  </a:outerShdw>
+                </a:effectLst>
+                <a:latin typeface="Eras Medium ITC" panose="020B0602030504020804" pitchFamily="34" charset="0"/>
+              </a:rPr>
+              <a:t>GD2Viz</a:t>
+            </a:r>
+            <a:endParaRPr lang="de-DE" sz="6000" dirty="0">
+              <a:ln w="19050">
+                <a:noFill/>
+              </a:ln>
+              <a:solidFill>
+                <a:srgbClr val="FF9900"/>
+              </a:solidFill>
+              <a:effectLst>
+                <a:outerShdw blurRad="50800" dist="38100" dir="5400000" algn="t" rotWithShape="0">
+                  <a:prstClr val="black">
+                    <a:alpha val="40000"/>
+                  </a:prstClr>
+                </a:outerShdw>
+              </a:effectLst>
+              <a:latin typeface="Eras Medium ITC" panose="020B0602030504020804" pitchFamily="34" charset="0"/>
+            </a:endParaRPr>
+          </a:p>
+        </p:txBody>
+      </p:sp>
+      <p:grpSp>
+        <p:nvGrpSpPr>
+          <p:cNvPr id="20" name="Gruppieren 19"/>
+          <p:cNvGrpSpPr/>
+          <p:nvPr/>
+        </p:nvGrpSpPr>
+        <p:grpSpPr>
+          <a:xfrm>
+            <a:off x="4596372" y="3061624"/>
+            <a:ext cx="2999255" cy="1500487"/>
+            <a:chOff x="7212505" y="591345"/>
+            <a:chExt cx="2693053" cy="1352928"/>
+          </a:xfrm>
+          <a:effectLst>
+            <a:outerShdw blurRad="50800" dist="38100" dir="5400000" algn="t" rotWithShape="0">
+              <a:prstClr val="black">
+                <a:alpha val="40000"/>
+              </a:prstClr>
+            </a:outerShdw>
+          </a:effectLst>
+          <a:scene3d>
+            <a:camera prst="orthographicFront"/>
+            <a:lightRig rig="balanced" dir="t"/>
+          </a:scene3d>
+        </p:grpSpPr>
+        <p:cxnSp>
+          <p:nvCxnSpPr>
+            <p:cNvPr id="22" name="Gerader Verbinder 21"/>
+            <p:cNvCxnSpPr/>
+            <p:nvPr/>
+          </p:nvCxnSpPr>
+          <p:spPr>
+            <a:xfrm flipH="1">
+              <a:off x="8922328" y="1250137"/>
+              <a:ext cx="736967" cy="0"/>
+            </a:xfrm>
+            <a:prstGeom prst="line">
+              <a:avLst/>
+            </a:prstGeom>
+            <a:ln w="38100">
+              <a:solidFill>
+                <a:srgbClr val="164863"/>
+              </a:solidFill>
+            </a:ln>
+            <a:sp3d prstMaterial="matte"/>
+          </p:spPr>
+          <p:style>
+            <a:lnRef idx="1">
+              <a:schemeClr val="accent1"/>
+            </a:lnRef>
+            <a:fillRef idx="0">
+              <a:schemeClr val="accent1"/>
+            </a:fillRef>
+            <a:effectRef idx="0">
+              <a:schemeClr val="accent1"/>
+            </a:effectRef>
+            <a:fontRef idx="minor">
+              <a:schemeClr val="tx1"/>
+            </a:fontRef>
+          </p:style>
+        </p:cxnSp>
+        <p:cxnSp>
+          <p:nvCxnSpPr>
+            <p:cNvPr id="24" name="Gerader Verbinder 23"/>
+            <p:cNvCxnSpPr/>
+            <p:nvPr/>
+          </p:nvCxnSpPr>
+          <p:spPr>
+            <a:xfrm flipH="1" flipV="1">
+              <a:off x="8368145" y="727364"/>
+              <a:ext cx="443328" cy="452457"/>
+            </a:xfrm>
+            <a:prstGeom prst="line">
+              <a:avLst/>
+            </a:prstGeom>
+            <a:ln w="38100">
+              <a:solidFill>
+                <a:srgbClr val="164863"/>
+              </a:solidFill>
+            </a:ln>
+            <a:sp3d prstMaterial="matte"/>
+          </p:spPr>
+          <p:style>
+            <a:lnRef idx="1">
+              <a:schemeClr val="accent1"/>
+            </a:lnRef>
+            <a:fillRef idx="0">
+              <a:schemeClr val="accent1"/>
+            </a:fillRef>
+            <a:effectRef idx="0">
+              <a:schemeClr val="accent1"/>
+            </a:effectRef>
+            <a:fontRef idx="minor">
+              <a:schemeClr val="tx1"/>
+            </a:fontRef>
+          </p:style>
+        </p:cxnSp>
+        <p:cxnSp>
+          <p:nvCxnSpPr>
+            <p:cNvPr id="25" name="Gerader Verbinder 24"/>
+            <p:cNvCxnSpPr/>
+            <p:nvPr/>
+          </p:nvCxnSpPr>
+          <p:spPr>
+            <a:xfrm flipH="1">
+              <a:off x="8321647" y="1328657"/>
+              <a:ext cx="489825" cy="444253"/>
+            </a:xfrm>
+            <a:prstGeom prst="line">
+              <a:avLst/>
+            </a:prstGeom>
+            <a:ln w="38100">
+              <a:solidFill>
+                <a:srgbClr val="164863"/>
+              </a:solidFill>
+            </a:ln>
+            <a:sp3d prstMaterial="matte"/>
+          </p:spPr>
+          <p:style>
+            <a:lnRef idx="1">
+              <a:schemeClr val="accent1"/>
+            </a:lnRef>
+            <a:fillRef idx="0">
+              <a:schemeClr val="accent1"/>
+            </a:fillRef>
+            <a:effectRef idx="0">
+              <a:schemeClr val="accent1"/>
+            </a:effectRef>
+            <a:fontRef idx="minor">
+              <a:schemeClr val="tx1"/>
+            </a:fontRef>
+          </p:style>
+        </p:cxnSp>
+        <p:cxnSp>
+          <p:nvCxnSpPr>
+            <p:cNvPr id="26" name="Gerader Verbinder 25"/>
+            <p:cNvCxnSpPr/>
+            <p:nvPr/>
+          </p:nvCxnSpPr>
+          <p:spPr>
+            <a:xfrm flipH="1" flipV="1">
+              <a:off x="7517986" y="1655618"/>
+              <a:ext cx="693637" cy="1"/>
+            </a:xfrm>
+            <a:prstGeom prst="line">
+              <a:avLst/>
+            </a:prstGeom>
+            <a:ln w="38100">
+              <a:solidFill>
+                <a:srgbClr val="164863"/>
+              </a:solidFill>
+            </a:ln>
+            <a:sp3d prstMaterial="matte"/>
+          </p:spPr>
+          <p:style>
+            <a:lnRef idx="1">
+              <a:schemeClr val="accent1"/>
+            </a:lnRef>
+            <a:fillRef idx="0">
+              <a:schemeClr val="accent1"/>
+            </a:fillRef>
+            <a:effectRef idx="0">
+              <a:schemeClr val="accent1"/>
+            </a:effectRef>
+            <a:fontRef idx="minor">
+              <a:schemeClr val="tx1"/>
+            </a:fontRef>
+          </p:style>
+        </p:cxnSp>
+        <p:sp>
+          <p:nvSpPr>
+            <p:cNvPr id="27" name="Raute 26"/>
+            <p:cNvSpPr/>
+            <p:nvPr/>
+          </p:nvSpPr>
+          <p:spPr>
+            <a:xfrm>
+              <a:off x="7212505" y="1350353"/>
+              <a:ext cx="593920" cy="593920"/>
+            </a:xfrm>
+            <a:prstGeom prst="diamond">
+              <a:avLst/>
+            </a:prstGeom>
+            <a:solidFill>
+              <a:schemeClr val="bg1"/>
+            </a:solidFill>
+            <a:ln w="19050">
+              <a:solidFill>
+                <a:srgbClr val="164863"/>
+              </a:solidFill>
+            </a:ln>
+            <a:sp3d prstMaterial="matte"/>
+          </p:spPr>
+          <p:style>
+            <a:lnRef idx="2">
+              <a:schemeClr val="accent1">
+                <a:shade val="50000"/>
+              </a:schemeClr>
+            </a:lnRef>
+            <a:fillRef idx="1">
+              <a:schemeClr val="accent1"/>
+            </a:fillRef>
+            <a:effectRef idx="0">
+              <a:schemeClr val="accent1"/>
+            </a:effectRef>
+            <a:fontRef idx="minor">
+              <a:schemeClr val="lt1"/>
+            </a:fontRef>
+          </p:style>
+          <p:txBody>
+            <a:bodyPr rtlCol="0" anchor="ctr"/>
+            <a:lstStyle/>
+            <a:p>
+              <a:pPr algn="ctr"/>
+              <a:endParaRPr lang="de-DE"/>
+            </a:p>
+          </p:txBody>
+        </p:sp>
+        <p:sp>
+          <p:nvSpPr>
+            <p:cNvPr id="28" name="Raute 27"/>
+            <p:cNvSpPr/>
+            <p:nvPr/>
+          </p:nvSpPr>
+          <p:spPr>
+            <a:xfrm>
+              <a:off x="7921126" y="1350353"/>
+              <a:ext cx="593920" cy="593920"/>
+            </a:xfrm>
+            <a:prstGeom prst="diamond">
+              <a:avLst/>
+            </a:prstGeom>
+            <a:solidFill>
+              <a:schemeClr val="bg1"/>
+            </a:solidFill>
+            <a:ln w="19050">
+              <a:solidFill>
+                <a:srgbClr val="164863"/>
+              </a:solidFill>
+            </a:ln>
+            <a:sp3d prstMaterial="matte"/>
+          </p:spPr>
+          <p:style>
+            <a:lnRef idx="2">
+              <a:schemeClr val="accent1">
+                <a:shade val="50000"/>
+              </a:schemeClr>
+            </a:lnRef>
+            <a:fillRef idx="1">
+              <a:schemeClr val="accent1"/>
+            </a:fillRef>
+            <a:effectRef idx="0">
+              <a:schemeClr val="accent1"/>
+            </a:effectRef>
+            <a:fontRef idx="minor">
+              <a:schemeClr val="lt1"/>
+            </a:fontRef>
+          </p:style>
+          <p:txBody>
+            <a:bodyPr rtlCol="0" anchor="ctr"/>
+            <a:lstStyle/>
+            <a:p>
+              <a:pPr algn="ctr"/>
+              <a:endParaRPr lang="de-DE"/>
+            </a:p>
+          </p:txBody>
+        </p:sp>
+        <p:sp>
+          <p:nvSpPr>
+            <p:cNvPr id="29" name="Rechteck 28"/>
+            <p:cNvSpPr/>
+            <p:nvPr/>
+          </p:nvSpPr>
+          <p:spPr>
+            <a:xfrm>
+              <a:off x="7921126" y="591345"/>
+              <a:ext cx="593920" cy="593920"/>
+            </a:xfrm>
+            <a:prstGeom prst="rect">
+              <a:avLst/>
+            </a:prstGeom>
+            <a:solidFill>
+              <a:schemeClr val="bg1"/>
+            </a:solidFill>
+            <a:ln w="19050">
+              <a:solidFill>
+                <a:srgbClr val="164863"/>
+              </a:solidFill>
+            </a:ln>
+            <a:sp3d prstMaterial="matte"/>
+          </p:spPr>
+          <p:style>
+            <a:lnRef idx="2">
+              <a:schemeClr val="accent1">
+                <a:shade val="50000"/>
+              </a:schemeClr>
+            </a:lnRef>
+            <a:fillRef idx="1">
+              <a:schemeClr val="accent1"/>
+            </a:fillRef>
+            <a:effectRef idx="0">
+              <a:schemeClr val="accent1"/>
+            </a:effectRef>
+            <a:fontRef idx="minor">
+              <a:schemeClr val="lt1"/>
+            </a:fontRef>
+          </p:style>
+          <p:txBody>
+            <a:bodyPr rtlCol="0" anchor="ctr"/>
+            <a:lstStyle/>
+            <a:p>
+              <a:pPr algn="ctr"/>
+              <a:endParaRPr lang="de-DE"/>
+            </a:p>
+          </p:txBody>
+        </p:sp>
+        <p:sp>
+          <p:nvSpPr>
+            <p:cNvPr id="30" name="Ellipse 29"/>
+            <p:cNvSpPr/>
+            <p:nvPr/>
+          </p:nvSpPr>
+          <p:spPr>
+            <a:xfrm>
+              <a:off x="8625070" y="950255"/>
+              <a:ext cx="593386" cy="599764"/>
+            </a:xfrm>
+            <a:prstGeom prst="ellipse">
+              <a:avLst/>
+            </a:prstGeom>
+            <a:solidFill>
+              <a:schemeClr val="bg1"/>
+            </a:solidFill>
+            <a:ln w="19050">
+              <a:solidFill>
+                <a:srgbClr val="164863"/>
+              </a:solidFill>
+            </a:ln>
+            <a:sp3d prstMaterial="matte"/>
+          </p:spPr>
+          <p:style>
+            <a:lnRef idx="2">
+              <a:schemeClr val="accent1">
+                <a:shade val="50000"/>
+              </a:schemeClr>
+            </a:lnRef>
+            <a:fillRef idx="1">
+              <a:schemeClr val="accent1"/>
+            </a:fillRef>
+            <a:effectRef idx="0">
+              <a:schemeClr val="accent1"/>
+            </a:effectRef>
+            <a:fontRef idx="minor">
+              <a:schemeClr val="lt1"/>
+            </a:fontRef>
+          </p:style>
+          <p:txBody>
+            <a:bodyPr rtlCol="0" anchor="ctr"/>
+            <a:lstStyle/>
+            <a:p>
+              <a:pPr algn="ctr"/>
+              <a:endParaRPr lang="de-DE"/>
+            </a:p>
+          </p:txBody>
+        </p:sp>
+        <p:sp>
+          <p:nvSpPr>
+            <p:cNvPr id="31" name="Ellipse 30"/>
+            <p:cNvSpPr/>
+            <p:nvPr/>
+          </p:nvSpPr>
+          <p:spPr>
+            <a:xfrm>
+              <a:off x="9312172" y="961925"/>
+              <a:ext cx="593386" cy="599764"/>
+            </a:xfrm>
+            <a:prstGeom prst="ellipse">
+              <a:avLst/>
+            </a:prstGeom>
+            <a:solidFill>
+              <a:schemeClr val="bg1"/>
+            </a:solidFill>
+            <a:ln w="19050">
+              <a:solidFill>
+                <a:srgbClr val="164863"/>
+              </a:solidFill>
+            </a:ln>
+            <a:sp3d prstMaterial="matte"/>
+          </p:spPr>
+          <p:style>
+            <a:lnRef idx="2">
+              <a:schemeClr val="accent1">
+                <a:shade val="50000"/>
+              </a:schemeClr>
+            </a:lnRef>
+            <a:fillRef idx="1">
+              <a:schemeClr val="accent1"/>
+            </a:fillRef>
+            <a:effectRef idx="0">
+              <a:schemeClr val="accent1"/>
+            </a:effectRef>
+            <a:fontRef idx="minor">
+              <a:schemeClr val="lt1"/>
+            </a:fontRef>
+          </p:style>
+          <p:txBody>
+            <a:bodyPr rtlCol="0" anchor="ctr"/>
+            <a:lstStyle/>
+            <a:p>
+              <a:pPr algn="ctr"/>
+              <a:endParaRPr lang="de-DE"/>
+            </a:p>
+          </p:txBody>
+        </p:sp>
+      </p:grpSp>
+    </p:spTree>
+    <p:extLst>
+      <p:ext uri="{BB962C8B-B14F-4D97-AF65-F5344CB8AC3E}">
+        <p14:creationId xmlns:p14="http://schemas.microsoft.com/office/powerpoint/2010/main" val="3117530202"/>
+      </p:ext>
+    </p:extLst>
+  </p:cSld>
+  <p:clrMapOvr>
+    <a:masterClrMapping/>
+  </p:clrMapOvr>
+</p:sld>
+</file>
+
+<file path=ppt/slides/slide9.xml><?xml version="1.0" encoding="utf-8"?>
+<p:sld xmlns:a="http://schemas.openxmlformats.org/drawingml/2006/main" xmlns:r="http://schemas.openxmlformats.org/officeDocument/2006/relationships" xmlns:p="http://schemas.openxmlformats.org/presentationml/2006/main">
+  <p:cSld>
+    <p:spTree>
+      <p:nvGrpSpPr>
+        <p:cNvPr id="1" name=""/>
+        <p:cNvGrpSpPr/>
+        <p:nvPr/>
+      </p:nvGrpSpPr>
+      <p:grpSpPr>
+        <a:xfrm>
+          <a:off x="0" y="0"/>
+          <a:ext cx="0" cy="0"/>
+          <a:chOff x="0" y="0"/>
+          <a:chExt cx="0" cy="0"/>
+        </a:xfrm>
+      </p:grpSpPr>
+      <p:pic>
+        <p:nvPicPr>
+          <p:cNvPr id="2" name="Grafik 1"/>
+          <p:cNvPicPr>
+            <a:picLocks noChangeAspect="1"/>
+          </p:cNvPicPr>
+          <p:nvPr/>
+        </p:nvPicPr>
+        <p:blipFill>
+          <a:blip r:embed="rId2"/>
+          <a:stretch>
+            <a:fillRect/>
+          </a:stretch>
+        </p:blipFill>
+        <p:spPr>
+          <a:xfrm>
+            <a:off x="447968" y="353436"/>
+            <a:ext cx="2756168" cy="3385050"/>
+          </a:xfrm>
+          <a:prstGeom prst="rect">
+            <a:avLst/>
+          </a:prstGeom>
+        </p:spPr>
+      </p:pic>
+      <p:grpSp>
+        <p:nvGrpSpPr>
+          <p:cNvPr id="4" name="Gruppieren 3"/>
+          <p:cNvGrpSpPr/>
+          <p:nvPr/>
+        </p:nvGrpSpPr>
+        <p:grpSpPr>
+          <a:xfrm>
+            <a:off x="4861919" y="418714"/>
+            <a:ext cx="3691772" cy="5908707"/>
+            <a:chOff x="3375652" y="-869451"/>
+            <a:chExt cx="4995620" cy="7995526"/>
+          </a:xfrm>
+          <a:gradFill>
+            <a:gsLst>
+              <a:gs pos="0">
+                <a:schemeClr val="bg1"/>
+              </a:gs>
+              <a:gs pos="41000">
+                <a:schemeClr val="bg1"/>
+              </a:gs>
+              <a:gs pos="87000">
+                <a:srgbClr val="427D9D"/>
+              </a:gs>
+              <a:gs pos="100000">
+                <a:srgbClr val="164863"/>
+              </a:gs>
+            </a:gsLst>
+            <a:lin ang="9600000" scaled="0"/>
+          </a:gradFill>
+        </p:grpSpPr>
+        <p:grpSp>
+          <p:nvGrpSpPr>
+            <p:cNvPr id="3" name="Gruppieren 2"/>
+            <p:cNvGrpSpPr/>
+            <p:nvPr/>
+          </p:nvGrpSpPr>
+          <p:grpSpPr>
+            <a:xfrm>
+              <a:off x="4217670" y="3719911"/>
+              <a:ext cx="1627545" cy="1887952"/>
+              <a:chOff x="4217670" y="1250137"/>
+              <a:chExt cx="3756660" cy="4357726"/>
+            </a:xfrm>
+            <a:grpFill/>
+          </p:grpSpPr>
+          <p:sp>
+            <p:nvSpPr>
+              <p:cNvPr id="16" name="Sechseck 15"/>
+              <p:cNvSpPr/>
+              <p:nvPr/>
+            </p:nvSpPr>
+            <p:spPr>
+              <a:xfrm rot="5400000">
+                <a:off x="3917137" y="1550670"/>
+                <a:ext cx="4357726" cy="3756660"/>
+              </a:xfrm>
+              <a:prstGeom prst="hexagon">
+                <a:avLst/>
+              </a:prstGeom>
+              <a:grpFill/>
+              <a:ln>
+                <a:noFill/>
+              </a:ln>
+            </p:spPr>
+            <p:style>
+              <a:lnRef idx="2">
+                <a:schemeClr val="accent1">
+                  <a:shade val="50000"/>
+                </a:schemeClr>
+              </a:lnRef>
+              <a:fillRef idx="1">
+                <a:schemeClr val="accent1"/>
+              </a:fillRef>
+              <a:effectRef idx="0">
+                <a:schemeClr val="accent1"/>
+              </a:effectRef>
+              <a:fontRef idx="minor">
+                <a:schemeClr val="lt1"/>
+              </a:fontRef>
+            </p:style>
+            <p:txBody>
+              <a:bodyPr rtlCol="0" anchor="ctr"/>
+              <a:lstStyle/>
+              <a:p>
+                <a:pPr algn="ctr"/>
+                <a:endParaRPr lang="de-DE"/>
+              </a:p>
+            </p:txBody>
+          </p:sp>
+          <p:sp>
+            <p:nvSpPr>
+              <p:cNvPr id="17" name="Sechseck 16"/>
+              <p:cNvSpPr/>
+              <p:nvPr/>
+            </p:nvSpPr>
+            <p:spPr>
+              <a:xfrm rot="5400000">
+                <a:off x="4068395" y="1681065"/>
+                <a:ext cx="4055210" cy="3495870"/>
+              </a:xfrm>
+              <a:prstGeom prst="hexagon">
+                <a:avLst/>
+              </a:prstGeom>
+              <a:grpFill/>
+              <a:ln>
+                <a:noFill/>
+              </a:ln>
+              <a:effectLst>
+                <a:innerShdw blurRad="190500">
+                  <a:prstClr val="black">
+                    <a:alpha val="88000"/>
+                  </a:prstClr>
+                </a:innerShdw>
+              </a:effectLst>
+            </p:spPr>
+            <p:style>
+              <a:lnRef idx="2">
+                <a:schemeClr val="accent1">
+                  <a:shade val="50000"/>
+                </a:schemeClr>
+              </a:lnRef>
+              <a:fillRef idx="1">
+                <a:schemeClr val="accent1"/>
+              </a:fillRef>
+              <a:effectRef idx="0">
+                <a:schemeClr val="accent1"/>
+              </a:effectRef>
+              <a:fontRef idx="minor">
+                <a:schemeClr val="lt1"/>
+              </a:fontRef>
+            </p:style>
+            <p:txBody>
+              <a:bodyPr rtlCol="0" anchor="ctr"/>
+              <a:lstStyle/>
+              <a:p>
+                <a:pPr algn="ctr"/>
+                <a:endParaRPr lang="de-DE" dirty="0"/>
+              </a:p>
+            </p:txBody>
+          </p:sp>
+        </p:grpSp>
+        <p:grpSp>
+          <p:nvGrpSpPr>
+            <p:cNvPr id="19" name="Gruppieren 18"/>
+            <p:cNvGrpSpPr/>
+            <p:nvPr/>
+          </p:nvGrpSpPr>
+          <p:grpSpPr>
+            <a:xfrm>
+              <a:off x="3375652" y="5238123"/>
+              <a:ext cx="1627545" cy="1887952"/>
+              <a:chOff x="4217670" y="1250137"/>
+              <a:chExt cx="3756660" cy="4357726"/>
+            </a:xfrm>
+            <a:grpFill/>
+          </p:grpSpPr>
+          <p:sp>
+            <p:nvSpPr>
+              <p:cNvPr id="21" name="Sechseck 20"/>
+              <p:cNvSpPr/>
+              <p:nvPr/>
+            </p:nvSpPr>
+            <p:spPr>
+              <a:xfrm rot="5400000">
+                <a:off x="3917137" y="1550670"/>
+                <a:ext cx="4357726" cy="3756660"/>
+              </a:xfrm>
+              <a:prstGeom prst="hexagon">
+                <a:avLst/>
+              </a:prstGeom>
+              <a:grpFill/>
+              <a:ln>
+                <a:noFill/>
+              </a:ln>
+            </p:spPr>
+            <p:style>
+              <a:lnRef idx="2">
+                <a:schemeClr val="accent1">
+                  <a:shade val="50000"/>
+                </a:schemeClr>
+              </a:lnRef>
+              <a:fillRef idx="1">
+                <a:schemeClr val="accent1"/>
+              </a:fillRef>
+              <a:effectRef idx="0">
+                <a:schemeClr val="accent1"/>
+              </a:effectRef>
+              <a:fontRef idx="minor">
+                <a:schemeClr val="lt1"/>
+              </a:fontRef>
+            </p:style>
+            <p:txBody>
+              <a:bodyPr rtlCol="0" anchor="ctr"/>
+              <a:lstStyle/>
+              <a:p>
+                <a:pPr algn="ctr"/>
+                <a:endParaRPr lang="de-DE"/>
+              </a:p>
+            </p:txBody>
+          </p:sp>
+          <p:sp>
+            <p:nvSpPr>
+              <p:cNvPr id="23" name="Sechseck 22"/>
+              <p:cNvSpPr/>
+              <p:nvPr/>
+            </p:nvSpPr>
+            <p:spPr>
+              <a:xfrm rot="5400000">
+                <a:off x="4068395" y="1681065"/>
+                <a:ext cx="4055210" cy="3495870"/>
+              </a:xfrm>
+              <a:prstGeom prst="hexagon">
+                <a:avLst/>
+              </a:prstGeom>
+              <a:grpFill/>
+              <a:ln>
+                <a:noFill/>
+              </a:ln>
+              <a:effectLst>
+                <a:innerShdw blurRad="190500">
+                  <a:prstClr val="black">
+                    <a:alpha val="88000"/>
+                  </a:prstClr>
+                </a:innerShdw>
+              </a:effectLst>
+            </p:spPr>
+            <p:style>
+              <a:lnRef idx="2">
+                <a:schemeClr val="accent1">
+                  <a:shade val="50000"/>
+                </a:schemeClr>
+              </a:lnRef>
+              <a:fillRef idx="1">
+                <a:schemeClr val="accent1"/>
+              </a:fillRef>
+              <a:effectRef idx="0">
+                <a:schemeClr val="accent1"/>
+              </a:effectRef>
+              <a:fontRef idx="minor">
+                <a:schemeClr val="lt1"/>
+              </a:fontRef>
+            </p:style>
+            <p:txBody>
+              <a:bodyPr rtlCol="0" anchor="ctr"/>
+              <a:lstStyle/>
+              <a:p>
+                <a:pPr algn="ctr"/>
+                <a:endParaRPr lang="de-DE" dirty="0"/>
+              </a:p>
+            </p:txBody>
+          </p:sp>
+        </p:grpSp>
+        <p:grpSp>
+          <p:nvGrpSpPr>
+            <p:cNvPr id="32" name="Gruppieren 31"/>
+            <p:cNvGrpSpPr/>
+            <p:nvPr/>
+          </p:nvGrpSpPr>
+          <p:grpSpPr>
+            <a:xfrm>
+              <a:off x="5901708" y="3719912"/>
+              <a:ext cx="1627545" cy="1887952"/>
+              <a:chOff x="4217670" y="1250137"/>
+              <a:chExt cx="3756660" cy="4357726"/>
+            </a:xfrm>
+            <a:grpFill/>
+          </p:grpSpPr>
+          <p:sp>
+            <p:nvSpPr>
+              <p:cNvPr id="33" name="Sechseck 32"/>
+              <p:cNvSpPr/>
+              <p:nvPr/>
+            </p:nvSpPr>
+            <p:spPr>
+              <a:xfrm rot="5400000">
+                <a:off x="3917137" y="1550670"/>
+                <a:ext cx="4357726" cy="3756660"/>
+              </a:xfrm>
+              <a:prstGeom prst="hexagon">
+                <a:avLst/>
+              </a:prstGeom>
+              <a:grpFill/>
+              <a:ln>
+                <a:noFill/>
+              </a:ln>
+            </p:spPr>
+            <p:style>
+              <a:lnRef idx="2">
+                <a:schemeClr val="accent1">
+                  <a:shade val="50000"/>
+                </a:schemeClr>
+              </a:lnRef>
+              <a:fillRef idx="1">
+                <a:schemeClr val="accent1"/>
+              </a:fillRef>
+              <a:effectRef idx="0">
+                <a:schemeClr val="accent1"/>
+              </a:effectRef>
+              <a:fontRef idx="minor">
+                <a:schemeClr val="lt1"/>
+              </a:fontRef>
+            </p:style>
+            <p:txBody>
+              <a:bodyPr rtlCol="0" anchor="ctr"/>
+              <a:lstStyle/>
+              <a:p>
+                <a:pPr algn="ctr"/>
+                <a:endParaRPr lang="de-DE"/>
+              </a:p>
+            </p:txBody>
+          </p:sp>
+          <p:sp>
+            <p:nvSpPr>
+              <p:cNvPr id="34" name="Sechseck 33"/>
+              <p:cNvSpPr/>
+              <p:nvPr/>
+            </p:nvSpPr>
+            <p:spPr>
+              <a:xfrm rot="5400000">
+                <a:off x="4068395" y="1681065"/>
+                <a:ext cx="4055210" cy="3495870"/>
+              </a:xfrm>
+              <a:prstGeom prst="hexagon">
+                <a:avLst/>
+              </a:prstGeom>
+              <a:grpFill/>
+              <a:ln>
+                <a:noFill/>
+              </a:ln>
+              <a:effectLst>
+                <a:innerShdw blurRad="190500">
+                  <a:prstClr val="black">
+                    <a:alpha val="88000"/>
+                  </a:prstClr>
+                </a:innerShdw>
+              </a:effectLst>
+            </p:spPr>
+            <p:style>
+              <a:lnRef idx="2">
+                <a:schemeClr val="accent1">
+                  <a:shade val="50000"/>
+                </a:schemeClr>
+              </a:lnRef>
+              <a:fillRef idx="1">
+                <a:schemeClr val="accent1"/>
+              </a:fillRef>
+              <a:effectRef idx="0">
+                <a:schemeClr val="accent1"/>
+              </a:effectRef>
+              <a:fontRef idx="minor">
+                <a:schemeClr val="lt1"/>
+              </a:fontRef>
+            </p:style>
+            <p:txBody>
+              <a:bodyPr rtlCol="0" anchor="ctr"/>
+              <a:lstStyle/>
+              <a:p>
+                <a:pPr algn="ctr"/>
+                <a:endParaRPr lang="de-DE" dirty="0"/>
+              </a:p>
+            </p:txBody>
+          </p:sp>
+        </p:grpSp>
+        <p:grpSp>
+          <p:nvGrpSpPr>
+            <p:cNvPr id="35" name="Gruppieren 34"/>
+            <p:cNvGrpSpPr/>
+            <p:nvPr/>
+          </p:nvGrpSpPr>
+          <p:grpSpPr>
+            <a:xfrm>
+              <a:off x="5059689" y="2190124"/>
+              <a:ext cx="1627545" cy="1887952"/>
+              <a:chOff x="4217670" y="1250137"/>
+              <a:chExt cx="3756660" cy="4357726"/>
+            </a:xfrm>
+            <a:grpFill/>
+          </p:grpSpPr>
+          <p:sp>
+            <p:nvSpPr>
+              <p:cNvPr id="36" name="Sechseck 35"/>
+              <p:cNvSpPr/>
+              <p:nvPr/>
+            </p:nvSpPr>
+            <p:spPr>
+              <a:xfrm rot="5400000">
+                <a:off x="3917137" y="1550670"/>
+                <a:ext cx="4357726" cy="3756660"/>
+              </a:xfrm>
+              <a:prstGeom prst="hexagon">
+                <a:avLst/>
+              </a:prstGeom>
+              <a:grpFill/>
+              <a:ln>
+                <a:noFill/>
+              </a:ln>
+            </p:spPr>
+            <p:style>
+              <a:lnRef idx="2">
+                <a:schemeClr val="accent1">
+                  <a:shade val="50000"/>
+                </a:schemeClr>
+              </a:lnRef>
+              <a:fillRef idx="1">
+                <a:schemeClr val="accent1"/>
+              </a:fillRef>
+              <a:effectRef idx="0">
+                <a:schemeClr val="accent1"/>
+              </a:effectRef>
+              <a:fontRef idx="minor">
+                <a:schemeClr val="lt1"/>
+              </a:fontRef>
+            </p:style>
+            <p:txBody>
+              <a:bodyPr rtlCol="0" anchor="ctr"/>
+              <a:lstStyle/>
+              <a:p>
+                <a:pPr algn="ctr"/>
+                <a:endParaRPr lang="de-DE"/>
+              </a:p>
+            </p:txBody>
+          </p:sp>
+          <p:sp>
+            <p:nvSpPr>
+              <p:cNvPr id="37" name="Sechseck 36"/>
+              <p:cNvSpPr/>
+              <p:nvPr/>
+            </p:nvSpPr>
+            <p:spPr>
+              <a:xfrm rot="5400000">
+                <a:off x="4068395" y="1681065"/>
+                <a:ext cx="4055210" cy="3495870"/>
+              </a:xfrm>
+              <a:prstGeom prst="hexagon">
+                <a:avLst/>
+              </a:prstGeom>
+              <a:grpFill/>
+              <a:ln>
+                <a:noFill/>
+              </a:ln>
+              <a:effectLst>
+                <a:innerShdw blurRad="190500">
+                  <a:prstClr val="black">
+                    <a:alpha val="88000"/>
+                  </a:prstClr>
+                </a:innerShdw>
+              </a:effectLst>
+            </p:spPr>
+            <p:style>
+              <a:lnRef idx="2">
+                <a:schemeClr val="accent1">
+                  <a:shade val="50000"/>
+                </a:schemeClr>
+              </a:lnRef>
+              <a:fillRef idx="1">
+                <a:schemeClr val="accent1"/>
+              </a:fillRef>
+              <a:effectRef idx="0">
+                <a:schemeClr val="accent1"/>
+              </a:effectRef>
+              <a:fontRef idx="minor">
+                <a:schemeClr val="lt1"/>
+              </a:fontRef>
+            </p:style>
+            <p:txBody>
+              <a:bodyPr rtlCol="0" anchor="ctr"/>
+              <a:lstStyle/>
+              <a:p>
+                <a:pPr algn="ctr"/>
+                <a:endParaRPr lang="de-DE" dirty="0"/>
+              </a:p>
+            </p:txBody>
+          </p:sp>
+        </p:grpSp>
+        <p:grpSp>
+          <p:nvGrpSpPr>
+            <p:cNvPr id="38" name="Gruppieren 37"/>
+            <p:cNvGrpSpPr/>
+            <p:nvPr/>
+          </p:nvGrpSpPr>
+          <p:grpSpPr>
+            <a:xfrm>
+              <a:off x="6743727" y="2190125"/>
+              <a:ext cx="1627545" cy="1887952"/>
+              <a:chOff x="4217670" y="1250137"/>
+              <a:chExt cx="3756660" cy="4357726"/>
+            </a:xfrm>
+            <a:grpFill/>
+          </p:grpSpPr>
+          <p:sp>
+            <p:nvSpPr>
+              <p:cNvPr id="39" name="Sechseck 38"/>
+              <p:cNvSpPr/>
+              <p:nvPr/>
+            </p:nvSpPr>
+            <p:spPr>
+              <a:xfrm rot="5400000">
+                <a:off x="3917137" y="1550670"/>
+                <a:ext cx="4357726" cy="3756660"/>
+              </a:xfrm>
+              <a:prstGeom prst="hexagon">
+                <a:avLst/>
+              </a:prstGeom>
+              <a:grpFill/>
+              <a:ln>
+                <a:noFill/>
+              </a:ln>
+            </p:spPr>
+            <p:style>
+              <a:lnRef idx="2">
+                <a:schemeClr val="accent1">
+                  <a:shade val="50000"/>
+                </a:schemeClr>
+              </a:lnRef>
+              <a:fillRef idx="1">
+                <a:schemeClr val="accent1"/>
+              </a:fillRef>
+              <a:effectRef idx="0">
+                <a:schemeClr val="accent1"/>
+              </a:effectRef>
+              <a:fontRef idx="minor">
+                <a:schemeClr val="lt1"/>
+              </a:fontRef>
+            </p:style>
+            <p:txBody>
+              <a:bodyPr rtlCol="0" anchor="ctr"/>
+              <a:lstStyle/>
+              <a:p>
+                <a:pPr algn="ctr"/>
+                <a:endParaRPr lang="de-DE"/>
+              </a:p>
+            </p:txBody>
+          </p:sp>
+          <p:sp>
+            <p:nvSpPr>
+              <p:cNvPr id="40" name="Sechseck 39"/>
+              <p:cNvSpPr/>
+              <p:nvPr/>
+            </p:nvSpPr>
+            <p:spPr>
+              <a:xfrm rot="5400000">
+                <a:off x="4068395" y="1681065"/>
+                <a:ext cx="4055210" cy="3495870"/>
+              </a:xfrm>
+              <a:prstGeom prst="hexagon">
+                <a:avLst/>
+              </a:prstGeom>
+              <a:grpFill/>
+              <a:ln>
+                <a:noFill/>
+              </a:ln>
+              <a:effectLst>
+                <a:innerShdw blurRad="190500">
+                  <a:prstClr val="black">
+                    <a:alpha val="88000"/>
+                  </a:prstClr>
+                </a:innerShdw>
+              </a:effectLst>
+            </p:spPr>
+            <p:style>
+              <a:lnRef idx="2">
+                <a:schemeClr val="accent1">
+                  <a:shade val="50000"/>
+                </a:schemeClr>
+              </a:lnRef>
+              <a:fillRef idx="1">
+                <a:schemeClr val="accent1"/>
+              </a:fillRef>
+              <a:effectRef idx="0">
+                <a:schemeClr val="accent1"/>
+              </a:effectRef>
+              <a:fontRef idx="minor">
+                <a:schemeClr val="lt1"/>
+              </a:fontRef>
+            </p:style>
+            <p:txBody>
+              <a:bodyPr rtlCol="0" anchor="ctr"/>
+              <a:lstStyle/>
+              <a:p>
+                <a:pPr algn="ctr"/>
+                <a:endParaRPr lang="de-DE" dirty="0"/>
+              </a:p>
+            </p:txBody>
+          </p:sp>
+        </p:grpSp>
+        <p:grpSp>
+          <p:nvGrpSpPr>
+            <p:cNvPr id="41" name="Gruppieren 40"/>
+            <p:cNvGrpSpPr/>
+            <p:nvPr/>
+          </p:nvGrpSpPr>
+          <p:grpSpPr>
+            <a:xfrm>
+              <a:off x="4217671" y="660336"/>
+              <a:ext cx="1627545" cy="1887952"/>
+              <a:chOff x="4217670" y="1250137"/>
+              <a:chExt cx="3756660" cy="4357726"/>
+            </a:xfrm>
+            <a:grpFill/>
+          </p:grpSpPr>
+          <p:sp>
+            <p:nvSpPr>
+              <p:cNvPr id="42" name="Sechseck 41"/>
+              <p:cNvSpPr/>
+              <p:nvPr/>
+            </p:nvSpPr>
+            <p:spPr>
+              <a:xfrm rot="5400000">
+                <a:off x="3917137" y="1550670"/>
+                <a:ext cx="4357726" cy="3756660"/>
+              </a:xfrm>
+              <a:prstGeom prst="hexagon">
+                <a:avLst/>
+              </a:prstGeom>
+              <a:grpFill/>
+              <a:ln>
+                <a:noFill/>
+              </a:ln>
+            </p:spPr>
+            <p:style>
+              <a:lnRef idx="2">
+                <a:schemeClr val="accent1">
+                  <a:shade val="50000"/>
+                </a:schemeClr>
+              </a:lnRef>
+              <a:fillRef idx="1">
+                <a:schemeClr val="accent1"/>
+              </a:fillRef>
+              <a:effectRef idx="0">
+                <a:schemeClr val="accent1"/>
+              </a:effectRef>
+              <a:fontRef idx="minor">
+                <a:schemeClr val="lt1"/>
+              </a:fontRef>
+            </p:style>
+            <p:txBody>
+              <a:bodyPr rtlCol="0" anchor="ctr"/>
+              <a:lstStyle/>
+              <a:p>
+                <a:pPr algn="ctr"/>
+                <a:endParaRPr lang="de-DE"/>
+              </a:p>
+            </p:txBody>
+          </p:sp>
+          <p:sp>
+            <p:nvSpPr>
+              <p:cNvPr id="43" name="Sechseck 42"/>
+              <p:cNvSpPr/>
+              <p:nvPr/>
+            </p:nvSpPr>
+            <p:spPr>
+              <a:xfrm rot="5400000">
+                <a:off x="4068395" y="1681065"/>
+                <a:ext cx="4055210" cy="3495870"/>
+              </a:xfrm>
+              <a:prstGeom prst="hexagon">
+                <a:avLst/>
+              </a:prstGeom>
+              <a:grpFill/>
+              <a:ln>
+                <a:noFill/>
+              </a:ln>
+              <a:effectLst>
+                <a:innerShdw blurRad="190500">
+                  <a:prstClr val="black">
+                    <a:alpha val="88000"/>
+                  </a:prstClr>
+                </a:innerShdw>
+              </a:effectLst>
+            </p:spPr>
+            <p:style>
+              <a:lnRef idx="2">
+                <a:schemeClr val="accent1">
+                  <a:shade val="50000"/>
+                </a:schemeClr>
+              </a:lnRef>
+              <a:fillRef idx="1">
+                <a:schemeClr val="accent1"/>
+              </a:fillRef>
+              <a:effectRef idx="0">
+                <a:schemeClr val="accent1"/>
+              </a:effectRef>
+              <a:fontRef idx="minor">
+                <a:schemeClr val="lt1"/>
+              </a:fontRef>
+            </p:style>
+            <p:txBody>
+              <a:bodyPr rtlCol="0" anchor="ctr"/>
+              <a:lstStyle/>
+              <a:p>
+                <a:pPr algn="ctr"/>
+                <a:endParaRPr lang="de-DE" dirty="0"/>
+              </a:p>
+            </p:txBody>
+          </p:sp>
+        </p:grpSp>
+        <p:grpSp>
+          <p:nvGrpSpPr>
+            <p:cNvPr id="44" name="Gruppieren 43"/>
+            <p:cNvGrpSpPr/>
+            <p:nvPr/>
+          </p:nvGrpSpPr>
+          <p:grpSpPr>
+            <a:xfrm>
+              <a:off x="5901709" y="660337"/>
+              <a:ext cx="1627545" cy="1887952"/>
+              <a:chOff x="4217670" y="1250137"/>
+              <a:chExt cx="3756660" cy="4357726"/>
+            </a:xfrm>
+            <a:grpFill/>
+          </p:grpSpPr>
+          <p:sp>
+            <p:nvSpPr>
+              <p:cNvPr id="45" name="Sechseck 44"/>
+              <p:cNvSpPr/>
+              <p:nvPr/>
+            </p:nvSpPr>
+            <p:spPr>
+              <a:xfrm rot="5400000">
+                <a:off x="3917137" y="1550670"/>
+                <a:ext cx="4357726" cy="3756660"/>
+              </a:xfrm>
+              <a:prstGeom prst="hexagon">
+                <a:avLst/>
+              </a:prstGeom>
+              <a:grpFill/>
+              <a:ln>
+                <a:noFill/>
+              </a:ln>
+            </p:spPr>
+            <p:style>
+              <a:lnRef idx="2">
+                <a:schemeClr val="accent1">
+                  <a:shade val="50000"/>
+                </a:schemeClr>
+              </a:lnRef>
+              <a:fillRef idx="1">
+                <a:schemeClr val="accent1"/>
+              </a:fillRef>
+              <a:effectRef idx="0">
+                <a:schemeClr val="accent1"/>
+              </a:effectRef>
+              <a:fontRef idx="minor">
+                <a:schemeClr val="lt1"/>
+              </a:fontRef>
+            </p:style>
+            <p:txBody>
+              <a:bodyPr rtlCol="0" anchor="ctr"/>
+              <a:lstStyle/>
+              <a:p>
+                <a:pPr algn="ctr"/>
+                <a:endParaRPr lang="de-DE"/>
+              </a:p>
+            </p:txBody>
+          </p:sp>
+          <p:sp>
+            <p:nvSpPr>
+              <p:cNvPr id="46" name="Sechseck 45"/>
+              <p:cNvSpPr/>
+              <p:nvPr/>
+            </p:nvSpPr>
+            <p:spPr>
+              <a:xfrm rot="5400000">
+                <a:off x="4068395" y="1681065"/>
+                <a:ext cx="4055210" cy="3495870"/>
+              </a:xfrm>
+              <a:prstGeom prst="hexagon">
+                <a:avLst/>
+              </a:prstGeom>
+              <a:grpFill/>
+              <a:ln>
+                <a:noFill/>
+              </a:ln>
+              <a:effectLst>
+                <a:innerShdw blurRad="190500">
+                  <a:prstClr val="black">
+                    <a:alpha val="88000"/>
+                  </a:prstClr>
+                </a:innerShdw>
+              </a:effectLst>
+            </p:spPr>
+            <p:style>
+              <a:lnRef idx="2">
+                <a:schemeClr val="accent1">
+                  <a:shade val="50000"/>
+                </a:schemeClr>
+              </a:lnRef>
+              <a:fillRef idx="1">
+                <a:schemeClr val="accent1"/>
+              </a:fillRef>
+              <a:effectRef idx="0">
+                <a:schemeClr val="accent1"/>
+              </a:effectRef>
+              <a:fontRef idx="minor">
+                <a:schemeClr val="lt1"/>
+              </a:fontRef>
+            </p:style>
+            <p:txBody>
+              <a:bodyPr rtlCol="0" anchor="ctr"/>
+              <a:lstStyle/>
+              <a:p>
+                <a:pPr algn="ctr"/>
+                <a:endParaRPr lang="de-DE" dirty="0"/>
+              </a:p>
+            </p:txBody>
+          </p:sp>
+        </p:grpSp>
+        <p:grpSp>
+          <p:nvGrpSpPr>
+            <p:cNvPr id="47" name="Gruppieren 46"/>
+            <p:cNvGrpSpPr/>
+            <p:nvPr/>
+          </p:nvGrpSpPr>
+          <p:grpSpPr>
+            <a:xfrm>
+              <a:off x="5059690" y="-869451"/>
+              <a:ext cx="1627545" cy="1887952"/>
+              <a:chOff x="4217670" y="1250137"/>
+              <a:chExt cx="3756660" cy="4357726"/>
+            </a:xfrm>
+            <a:grpFill/>
+          </p:grpSpPr>
+          <p:sp>
+            <p:nvSpPr>
+              <p:cNvPr id="48" name="Sechseck 47"/>
+              <p:cNvSpPr/>
+              <p:nvPr/>
+            </p:nvSpPr>
+            <p:spPr>
+              <a:xfrm rot="5400000">
+                <a:off x="3917137" y="1550670"/>
+                <a:ext cx="4357726" cy="3756660"/>
+              </a:xfrm>
+              <a:prstGeom prst="hexagon">
+                <a:avLst/>
+              </a:prstGeom>
+              <a:grpFill/>
+              <a:ln>
+                <a:noFill/>
+              </a:ln>
+            </p:spPr>
+            <p:style>
+              <a:lnRef idx="2">
+                <a:schemeClr val="accent1">
+                  <a:shade val="50000"/>
+                </a:schemeClr>
+              </a:lnRef>
+              <a:fillRef idx="1">
+                <a:schemeClr val="accent1"/>
+              </a:fillRef>
+              <a:effectRef idx="0">
+                <a:schemeClr val="accent1"/>
+              </a:effectRef>
+              <a:fontRef idx="minor">
+                <a:schemeClr val="lt1"/>
+              </a:fontRef>
+            </p:style>
+            <p:txBody>
+              <a:bodyPr rtlCol="0" anchor="ctr"/>
+              <a:lstStyle/>
+              <a:p>
+                <a:pPr algn="ctr"/>
+                <a:endParaRPr lang="de-DE"/>
+              </a:p>
+            </p:txBody>
+          </p:sp>
+          <p:sp>
+            <p:nvSpPr>
+              <p:cNvPr id="49" name="Sechseck 48"/>
+              <p:cNvSpPr/>
+              <p:nvPr/>
+            </p:nvSpPr>
+            <p:spPr>
+              <a:xfrm rot="5400000">
+                <a:off x="4068395" y="1681065"/>
+                <a:ext cx="4055210" cy="3495870"/>
+              </a:xfrm>
+              <a:prstGeom prst="hexagon">
+                <a:avLst/>
+              </a:prstGeom>
+              <a:grpFill/>
+              <a:ln>
+                <a:noFill/>
+              </a:ln>
+              <a:effectLst>
+                <a:innerShdw blurRad="190500">
+                  <a:prstClr val="black">
+                    <a:alpha val="88000"/>
+                  </a:prstClr>
+                </a:innerShdw>
+              </a:effectLst>
+            </p:spPr>
+            <p:style>
+              <a:lnRef idx="2">
+                <a:schemeClr val="accent1">
+                  <a:shade val="50000"/>
+                </a:schemeClr>
+              </a:lnRef>
+              <a:fillRef idx="1">
+                <a:schemeClr val="accent1"/>
+              </a:fillRef>
+              <a:effectRef idx="0">
+                <a:schemeClr val="accent1"/>
+              </a:effectRef>
+              <a:fontRef idx="minor">
+                <a:schemeClr val="lt1"/>
+              </a:fontRef>
+            </p:style>
+            <p:txBody>
+              <a:bodyPr rtlCol="0" anchor="ctr"/>
+              <a:lstStyle/>
+              <a:p>
+                <a:pPr algn="ctr"/>
+                <a:endParaRPr lang="de-DE" dirty="0"/>
+              </a:p>
+            </p:txBody>
+          </p:sp>
+        </p:grpSp>
+      </p:grpSp>
+    </p:spTree>
+    <p:extLst>
+      <p:ext uri="{BB962C8B-B14F-4D97-AF65-F5344CB8AC3E}">
+        <p14:creationId xmlns:p14="http://schemas.microsoft.com/office/powerpoint/2010/main" val="2820341670"/>
+      </p:ext>
+    </p:extLst>
+  </p:cSld>
+  <p:clrMapOvr>
+    <a:masterClrMapping/>
+  </p:clrMapOvr>
+</p:sld>
+</file>
+
 <file path=ppt/theme/theme1.xml><?xml version="1.0" encoding="utf-8"?>
 <a:theme xmlns:a="http://schemas.openxmlformats.org/drawingml/2006/main" name="Office">
   <a:themeElements>
